--- a/Unix期末報告.pptx
+++ b/Unix期末報告.pptx
@@ -5525,7 +5525,30 @@
                 <a:latin typeface="標楷體" panose="03000509000000000000" pitchFamily="65" charset="-120"/>
                 <a:ea typeface="標楷體" panose="03000509000000000000" pitchFamily="65" charset="-120"/>
               </a:rPr>
-              <a:t>設計一個功能為可讀取文字檔並分析文章內容，並抓取其中可能的關鍵，且自動 進行關鍵字作</a:t>
+              <a:t>設計一個功能為可讀取文字檔並分析文章內容，抓取其中可能的關鍵句子，</a:t>
+            </a:r>
+            <a:endParaRPr lang="en-US" altLang="zh-TW" sz="2000" dirty="0">
+              <a:latin typeface="標楷體" panose="03000509000000000000" pitchFamily="65" charset="-120"/>
+              <a:ea typeface="標楷體" panose="03000509000000000000" pitchFamily="65" charset="-120"/>
+            </a:endParaRPr>
+          </a:p>
+          <a:p>
+            <a:pPr marL="0" indent="0">
+              <a:buNone/>
+            </a:pPr>
+            <a:r>
+              <a:rPr lang="en-US" altLang="zh-TW" sz="2000" dirty="0">
+                <a:latin typeface="標楷體" panose="03000509000000000000" pitchFamily="65" charset="-120"/>
+                <a:ea typeface="標楷體" panose="03000509000000000000" pitchFamily="65" charset="-120"/>
+              </a:rPr>
+              <a:t>	</a:t>
+            </a:r>
+            <a:r>
+              <a:rPr lang="zh-TW" altLang="en-US" sz="2000" dirty="0">
+                <a:latin typeface="標楷體" panose="03000509000000000000" pitchFamily="65" charset="-120"/>
+                <a:ea typeface="標楷體" panose="03000509000000000000" pitchFamily="65" charset="-120"/>
+              </a:rPr>
+              <a:t> 並自動進行關鍵字作</a:t>
             </a:r>
             <a:r>
               <a:rPr lang="en-US" altLang="zh-TW" sz="2000" dirty="0">
@@ -5561,26 +5584,8 @@
                 <a:latin typeface="標楷體" panose="03000509000000000000" pitchFamily="65" charset="-120"/>
                 <a:ea typeface="標楷體" panose="03000509000000000000" pitchFamily="65" charset="-120"/>
               </a:rPr>
-              <a:t>：Linux</a:t>
-            </a:r>
-            <a:r>
-              <a:rPr lang="en-US" altLang="zh-TW" dirty="0">
-                <a:latin typeface="標楷體" panose="03000509000000000000" pitchFamily="65" charset="-120"/>
-                <a:ea typeface="標楷體" panose="03000509000000000000" pitchFamily="65" charset="-120"/>
-              </a:rPr>
-              <a:t> </a:t>
-            </a:r>
-            <a:r>
-              <a:rPr lang="zh-TW" altLang="en-US" sz="2000" dirty="0">
-                <a:latin typeface="標楷體" panose="03000509000000000000" pitchFamily="65" charset="-120"/>
-                <a:ea typeface="標楷體" panose="03000509000000000000" pitchFamily="65" charset="-120"/>
-              </a:rPr>
-              <a:t>系統</a:t>
-            </a:r>
-            <a:endParaRPr lang="en-US" altLang="zh-TW" sz="2000" dirty="0">
-              <a:latin typeface="標楷體" panose="03000509000000000000" pitchFamily="65" charset="-120"/>
-              <a:ea typeface="標楷體" panose="03000509000000000000" pitchFamily="65" charset="-120"/>
-            </a:endParaRPr>
+              <a:t>：Ubuntu 16.04</a:t>
+            </a:r>
           </a:p>
           <a:p>
             <a:endParaRPr lang="en-US" altLang="zh-TW" sz="2000" dirty="0">
@@ -5615,7 +5620,7 @@
                 <a:latin typeface="標楷體" panose="03000509000000000000" pitchFamily="65" charset="-120"/>
                 <a:ea typeface="標楷體" panose="03000509000000000000" pitchFamily="65" charset="-120"/>
               </a:rPr>
-              <a:t>Linux Shell Script, Linux Google</a:t>
+              <a:t>Linux Shell Script, Linux Googler</a:t>
             </a:r>
             <a:r>
               <a:rPr lang="zh-TW" altLang="en-US" sz="2000" dirty="0">
@@ -6044,7 +6049,55 @@
                 <a:latin typeface="標楷體" panose="03000509000000000000" pitchFamily="65" charset="-120"/>
                 <a:ea typeface="標楷體" panose="03000509000000000000" pitchFamily="65" charset="-120"/>
               </a:rPr>
-              <a:t>在瀏覽英文文獻資料時往往難以抓出文章中的關鍵字，進而導致搜尋相關資料時的結果不如預期。因此，本專題想以分析並搜尋文字檔的應用作為主題，設計能夠找出字串或文章中的出現頻率高的字作為文章關鍵字，並自動進行</a:t>
+              <a:t>    在瀏覽英文文獻資料時往往難以抓出文章中的關鍵字，進而導致搜尋相</a:t>
+            </a:r>
+            <a:endParaRPr lang="en-US" altLang="zh-TW" sz="2000" dirty="0">
+              <a:latin typeface="標楷體" panose="03000509000000000000" pitchFamily="65" charset="-120"/>
+              <a:ea typeface="標楷體" panose="03000509000000000000" pitchFamily="65" charset="-120"/>
+            </a:endParaRPr>
+          </a:p>
+          <a:p>
+            <a:pPr marL="0" indent="0">
+              <a:buNone/>
+            </a:pPr>
+            <a:r>
+              <a:rPr lang="zh-TW" altLang="en-US" sz="2000" dirty="0">
+                <a:latin typeface="標楷體" panose="03000509000000000000" pitchFamily="65" charset="-120"/>
+                <a:ea typeface="標楷體" panose="03000509000000000000" pitchFamily="65" charset="-120"/>
+              </a:rPr>
+              <a:t>關資料時的結果不如預期。因此，本專題想以分析並搜尋文字檔的應用作為主</a:t>
+            </a:r>
+            <a:endParaRPr lang="en-US" altLang="zh-TW" sz="2000" dirty="0">
+              <a:latin typeface="標楷體" panose="03000509000000000000" pitchFamily="65" charset="-120"/>
+              <a:ea typeface="標楷體" panose="03000509000000000000" pitchFamily="65" charset="-120"/>
+            </a:endParaRPr>
+          </a:p>
+          <a:p>
+            <a:pPr marL="0" indent="0">
+              <a:buNone/>
+            </a:pPr>
+            <a:r>
+              <a:rPr lang="zh-TW" altLang="en-US" sz="2000" dirty="0">
+                <a:latin typeface="標楷體" panose="03000509000000000000" pitchFamily="65" charset="-120"/>
+                <a:ea typeface="標楷體" panose="03000509000000000000" pitchFamily="65" charset="-120"/>
+              </a:rPr>
+              <a:t>題，設計能夠找出字串或文章中的出現頻率高的字作為文章關鍵字，並自動進</a:t>
+            </a:r>
+            <a:endParaRPr lang="en-US" altLang="zh-TW" sz="2000" dirty="0">
+              <a:latin typeface="標楷體" panose="03000509000000000000" pitchFamily="65" charset="-120"/>
+              <a:ea typeface="標楷體" panose="03000509000000000000" pitchFamily="65" charset="-120"/>
+            </a:endParaRPr>
+          </a:p>
+          <a:p>
+            <a:pPr marL="0" indent="0">
+              <a:buNone/>
+            </a:pPr>
+            <a:r>
+              <a:rPr lang="zh-TW" altLang="en-US" sz="2000" dirty="0">
+                <a:latin typeface="標楷體" panose="03000509000000000000" pitchFamily="65" charset="-120"/>
+                <a:ea typeface="標楷體" panose="03000509000000000000" pitchFamily="65" charset="-120"/>
+              </a:rPr>
+              <a:t>行</a:t>
             </a:r>
             <a:r>
               <a:rPr lang="en-US" altLang="zh-TW" sz="2000" dirty="0">
@@ -6343,7 +6396,7 @@
         <p:spPr>
           <a:xfrm>
             <a:off x="422030" y="1561514"/>
-            <a:ext cx="8693834" cy="1292662"/>
+            <a:ext cx="8693834" cy="1908215"/>
           </a:xfrm>
           <a:prstGeom prst="rect">
             <a:avLst/>
@@ -6361,7 +6414,7 @@
                 <a:latin typeface="標楷體" panose="03000509000000000000" pitchFamily="65" charset="-120"/>
                 <a:ea typeface="標楷體" panose="03000509000000000000" pitchFamily="65" charset="-120"/>
               </a:rPr>
-              <a:t>能夠應用於短時間內搜尋多個關鍵字</a:t>
+              <a:t>    能夠應用於短時間內搜尋多個關鍵字</a:t>
             </a:r>
             <a:r>
               <a:rPr lang="en-US" altLang="zh-TW" sz="2000" dirty="0">
@@ -6389,7 +6442,26 @@
                 <a:latin typeface="標楷體" panose="03000509000000000000" pitchFamily="65" charset="-120"/>
                 <a:ea typeface="標楷體" panose="03000509000000000000" pitchFamily="65" charset="-120"/>
               </a:rPr>
-              <a:t>並一次搜尋多筆資料，同時呈現使用者其</a:t>
+              <a:t>並一次搜尋多筆</a:t>
+            </a:r>
+            <a:endParaRPr lang="en-US" altLang="zh-TW" sz="2000" dirty="0">
+              <a:latin typeface="標楷體" panose="03000509000000000000" pitchFamily="65" charset="-120"/>
+              <a:ea typeface="標楷體" panose="03000509000000000000" pitchFamily="65" charset="-120"/>
+            </a:endParaRPr>
+          </a:p>
+          <a:p>
+            <a:endParaRPr lang="en-US" altLang="zh-TW" sz="2000" dirty="0">
+              <a:latin typeface="標楷體" panose="03000509000000000000" pitchFamily="65" charset="-120"/>
+              <a:ea typeface="標楷體" panose="03000509000000000000" pitchFamily="65" charset="-120"/>
+            </a:endParaRPr>
+          </a:p>
+          <a:p>
+            <a:r>
+              <a:rPr lang="zh-TW" altLang="en-US" sz="2000" dirty="0">
+                <a:latin typeface="標楷體" panose="03000509000000000000" pitchFamily="65" charset="-120"/>
+                <a:ea typeface="標楷體" panose="03000509000000000000" pitchFamily="65" charset="-120"/>
+              </a:rPr>
+              <a:t>資料，同時呈現使用者其</a:t>
             </a:r>
             <a:r>
               <a:rPr lang="en-US" altLang="zh-TW" sz="2000" dirty="0">
@@ -6403,7 +6475,26 @@
                 <a:latin typeface="標楷體" panose="03000509000000000000" pitchFamily="65" charset="-120"/>
                 <a:ea typeface="標楷體" panose="03000509000000000000" pitchFamily="65" charset="-120"/>
               </a:rPr>
-              <a:t>搜尋結果，讓使用者免去了一項一項搜尋、比較的麻煩。</a:t>
+              <a:t>搜尋結果，讓使用者免去了一項一項搜尋、</a:t>
+            </a:r>
+            <a:endParaRPr lang="en-US" altLang="zh-TW" sz="2000" dirty="0">
+              <a:latin typeface="標楷體" panose="03000509000000000000" pitchFamily="65" charset="-120"/>
+              <a:ea typeface="標楷體" panose="03000509000000000000" pitchFamily="65" charset="-120"/>
+            </a:endParaRPr>
+          </a:p>
+          <a:p>
+            <a:endParaRPr lang="en-US" altLang="zh-TW" sz="2000" dirty="0">
+              <a:latin typeface="標楷體" panose="03000509000000000000" pitchFamily="65" charset="-120"/>
+              <a:ea typeface="標楷體" panose="03000509000000000000" pitchFamily="65" charset="-120"/>
+            </a:endParaRPr>
+          </a:p>
+          <a:p>
+            <a:r>
+              <a:rPr lang="zh-TW" altLang="en-US" sz="2000" dirty="0">
+                <a:latin typeface="標楷體" panose="03000509000000000000" pitchFamily="65" charset="-120"/>
+                <a:ea typeface="標楷體" panose="03000509000000000000" pitchFamily="65" charset="-120"/>
+              </a:rPr>
+              <a:t>比較的麻煩。</a:t>
             </a:r>
           </a:p>
           <a:p>
@@ -7003,10 +7094,10 @@
       </p:grpSp>
       <p:pic>
         <p:nvPicPr>
-          <p:cNvPr id="2058" name="Picture 10" descr="C:\Users\USER\AppData\Local\Temp\ksohtml\wps_clip_image-24616.png">
+          <p:cNvPr id="1026" name="Picture 2" descr="C:\Users\USER\AppData\Local\Temp\ksohtml\wps_clip_image-11739.png">
             <a:extLst>
               <a:ext uri="{FF2B5EF4-FFF2-40B4-BE49-F238E27FC236}">
-                <a16:creationId xmlns:a16="http://schemas.microsoft.com/office/drawing/2014/main" id="{06680B3F-5C8D-400B-8A44-A2D689ACE28B}"/>
+                <a16:creationId xmlns:a16="http://schemas.microsoft.com/office/drawing/2014/main" id="{41D59866-1017-43D9-8564-8545AE00C1CC}"/>
               </a:ext>
             </a:extLst>
           </p:cNvPr>
@@ -7030,8 +7121,8 @@
         </p:blipFill>
         <p:spPr bwMode="auto">
           <a:xfrm>
-            <a:off x="4980717" y="3785936"/>
-            <a:ext cx="1538068" cy="1087902"/>
+            <a:off x="4942449" y="3792024"/>
+            <a:ext cx="1612320" cy="1140424"/>
           </a:xfrm>
           <a:prstGeom prst="rect">
             <a:avLst/>

--- a/Unix期末報告.pptx
+++ b/Unix期末報告.pptx
@@ -230,7 +230,7 @@
           <a:p>
             <a:fld id="{1C5FF7EF-5A72-472A-903E-1A7EB87B58C0}" type="datetimeFigureOut">
               <a:rPr lang="zh-CN" altLang="en-US" smtClean="0"/>
-              <a:t>2019/6/8</a:t>
+              <a:t>2019/6/9</a:t>
             </a:fld>
             <a:endParaRPr lang="zh-CN" altLang="en-US"/>
           </a:p>
@@ -626,7 +626,7 @@
           <a:p>
             <a:fld id="{56ADA2BF-55B3-4F87-A555-616E29ECEA11}" type="datetimeFigureOut">
               <a:rPr lang="zh-CN" altLang="en-US" smtClean="0"/>
-              <a:t>2019/6/8</a:t>
+              <a:t>2019/6/9</a:t>
             </a:fld>
             <a:endParaRPr lang="zh-CN" altLang="en-US"/>
           </a:p>
@@ -794,7 +794,7 @@
           <a:p>
             <a:fld id="{56ADA2BF-55B3-4F87-A555-616E29ECEA11}" type="datetimeFigureOut">
               <a:rPr lang="zh-CN" altLang="en-US" smtClean="0"/>
-              <a:t>2019/6/8</a:t>
+              <a:t>2019/6/9</a:t>
             </a:fld>
             <a:endParaRPr lang="zh-CN" altLang="en-US"/>
           </a:p>
@@ -972,7 +972,7 @@
           <a:p>
             <a:fld id="{56ADA2BF-55B3-4F87-A555-616E29ECEA11}" type="datetimeFigureOut">
               <a:rPr lang="zh-CN" altLang="en-US" smtClean="0"/>
-              <a:t>2019/6/8</a:t>
+              <a:t>2019/6/9</a:t>
             </a:fld>
             <a:endParaRPr lang="zh-CN" altLang="en-US"/>
           </a:p>
@@ -1140,7 +1140,7 @@
           <a:p>
             <a:fld id="{56ADA2BF-55B3-4F87-A555-616E29ECEA11}" type="datetimeFigureOut">
               <a:rPr lang="zh-CN" altLang="en-US" smtClean="0"/>
-              <a:t>2019/6/8</a:t>
+              <a:t>2019/6/9</a:t>
             </a:fld>
             <a:endParaRPr lang="zh-CN" altLang="en-US"/>
           </a:p>
@@ -1385,7 +1385,7 @@
           <a:p>
             <a:fld id="{56ADA2BF-55B3-4F87-A555-616E29ECEA11}" type="datetimeFigureOut">
               <a:rPr lang="zh-CN" altLang="en-US" smtClean="0"/>
-              <a:t>2019/6/8</a:t>
+              <a:t>2019/6/9</a:t>
             </a:fld>
             <a:endParaRPr lang="zh-CN" altLang="en-US"/>
           </a:p>
@@ -1614,7 +1614,7 @@
           <a:p>
             <a:fld id="{56ADA2BF-55B3-4F87-A555-616E29ECEA11}" type="datetimeFigureOut">
               <a:rPr lang="zh-CN" altLang="en-US" smtClean="0"/>
-              <a:t>2019/6/8</a:t>
+              <a:t>2019/6/9</a:t>
             </a:fld>
             <a:endParaRPr lang="zh-CN" altLang="en-US"/>
           </a:p>
@@ -1978,7 +1978,7 @@
           <a:p>
             <a:fld id="{56ADA2BF-55B3-4F87-A555-616E29ECEA11}" type="datetimeFigureOut">
               <a:rPr lang="zh-CN" altLang="en-US" smtClean="0"/>
-              <a:t>2019/6/8</a:t>
+              <a:t>2019/6/9</a:t>
             </a:fld>
             <a:endParaRPr lang="zh-CN" altLang="en-US"/>
           </a:p>
@@ -2095,7 +2095,7 @@
           <a:p>
             <a:fld id="{56ADA2BF-55B3-4F87-A555-616E29ECEA11}" type="datetimeFigureOut">
               <a:rPr lang="zh-CN" altLang="en-US" smtClean="0"/>
-              <a:t>2019/6/8</a:t>
+              <a:t>2019/6/9</a:t>
             </a:fld>
             <a:endParaRPr lang="zh-CN" altLang="en-US"/>
           </a:p>
@@ -2190,7 +2190,7 @@
           <a:p>
             <a:fld id="{56ADA2BF-55B3-4F87-A555-616E29ECEA11}" type="datetimeFigureOut">
               <a:rPr lang="zh-CN" altLang="en-US" smtClean="0"/>
-              <a:t>2019/6/8</a:t>
+              <a:t>2019/6/9</a:t>
             </a:fld>
             <a:endParaRPr lang="zh-CN" altLang="en-US"/>
           </a:p>
@@ -2465,7 +2465,7 @@
           <a:p>
             <a:fld id="{56ADA2BF-55B3-4F87-A555-616E29ECEA11}" type="datetimeFigureOut">
               <a:rPr lang="zh-CN" altLang="en-US" smtClean="0"/>
-              <a:t>2019/6/8</a:t>
+              <a:t>2019/6/9</a:t>
             </a:fld>
             <a:endParaRPr lang="zh-CN" altLang="en-US"/>
           </a:p>
@@ -2717,7 +2717,7 @@
           <a:p>
             <a:fld id="{56ADA2BF-55B3-4F87-A555-616E29ECEA11}" type="datetimeFigureOut">
               <a:rPr lang="zh-CN" altLang="en-US" smtClean="0"/>
-              <a:t>2019/6/8</a:t>
+              <a:t>2019/6/9</a:t>
             </a:fld>
             <a:endParaRPr lang="zh-CN" altLang="en-US"/>
           </a:p>
@@ -2928,7 +2928,7 @@
           <a:p>
             <a:fld id="{56ADA2BF-55B3-4F87-A555-616E29ECEA11}" type="datetimeFigureOut">
               <a:rPr lang="zh-CN" altLang="en-US" smtClean="0"/>
-              <a:t>2019/6/8</a:t>
+              <a:t>2019/6/9</a:t>
             </a:fld>
             <a:endParaRPr lang="zh-CN" altLang="en-US"/>
           </a:p>
@@ -3988,8 +3988,8 @@
         </p:blipFill>
         <p:spPr>
           <a:xfrm>
-            <a:off x="1025052" y="1878037"/>
-            <a:ext cx="8397502" cy="2454812"/>
+            <a:off x="1004488" y="1774340"/>
+            <a:ext cx="10183023" cy="2976767"/>
           </a:xfrm>
           <a:prstGeom prst="rect">
             <a:avLst/>
@@ -5332,7 +5332,7 @@
         </p:nvSpPr>
         <p:spPr>
           <a:xfrm>
-            <a:off x="283464" y="1616620"/>
+            <a:off x="1069194" y="1607193"/>
             <a:ext cx="10312375" cy="4351338"/>
           </a:xfrm>
           <a:prstGeom prst="rect">
@@ -5606,7 +5606,21 @@
                 <a:latin typeface="標楷體" panose="03000509000000000000" pitchFamily="65" charset="-120"/>
                 <a:ea typeface="標楷體" panose="03000509000000000000" pitchFamily="65" charset="-120"/>
               </a:rPr>
-              <a:t>：Python + NLTK,</a:t>
+              <a:t>：Python + NLTK</a:t>
+            </a:r>
+            <a:r>
+              <a:rPr lang="zh-TW" altLang="en-US" sz="2000" dirty="0">
+                <a:latin typeface="標楷體" panose="03000509000000000000" pitchFamily="65" charset="-120"/>
+                <a:ea typeface="標楷體" panose="03000509000000000000" pitchFamily="65" charset="-120"/>
+              </a:rPr>
+              <a:t> 、 </a:t>
+            </a:r>
+            <a:r>
+              <a:rPr lang="en-US" altLang="zh-TW" sz="2000" dirty="0">
+                <a:latin typeface="標楷體" panose="03000509000000000000" pitchFamily="65" charset="-120"/>
+                <a:ea typeface="標楷體" panose="03000509000000000000" pitchFamily="65" charset="-120"/>
+              </a:rPr>
+              <a:t>Linux </a:t>
             </a:r>
             <a:r>
               <a:rPr lang="zh-TW" altLang="en-US" sz="2000" dirty="0">
@@ -5620,7 +5634,21 @@
                 <a:latin typeface="標楷體" panose="03000509000000000000" pitchFamily="65" charset="-120"/>
                 <a:ea typeface="標楷體" panose="03000509000000000000" pitchFamily="65" charset="-120"/>
               </a:rPr>
-              <a:t>Linux Shell Script, Linux Googler</a:t>
+              <a:t>Shell Script</a:t>
+            </a:r>
+            <a:r>
+              <a:rPr lang="zh-TW" altLang="en-US" sz="2000" dirty="0">
+                <a:latin typeface="標楷體" panose="03000509000000000000" pitchFamily="65" charset="-120"/>
+                <a:ea typeface="標楷體" panose="03000509000000000000" pitchFamily="65" charset="-120"/>
+              </a:rPr>
+              <a:t> 、</a:t>
+            </a:r>
+            <a:r>
+              <a:rPr lang="en-US" altLang="zh-TW" sz="2000" dirty="0">
+                <a:latin typeface="標楷體" panose="03000509000000000000" pitchFamily="65" charset="-120"/>
+                <a:ea typeface="標楷體" panose="03000509000000000000" pitchFamily="65" charset="-120"/>
+              </a:rPr>
+              <a:t>Linux Googler</a:t>
             </a:r>
             <a:r>
               <a:rPr lang="zh-TW" altLang="en-US" sz="2000" dirty="0">
@@ -5867,8 +5895,8 @@
         </p:nvSpPr>
         <p:spPr>
           <a:xfrm>
-            <a:off x="501178" y="1485991"/>
-            <a:ext cx="9054737" cy="4351338"/>
+            <a:off x="1117091" y="1495418"/>
+            <a:ext cx="10467921" cy="4351338"/>
           </a:xfrm>
           <a:prstGeom prst="rect">
             <a:avLst/>
@@ -6042,6 +6070,9 @@
           </a:lstStyle>
           <a:p>
             <a:pPr marL="0" indent="0">
+              <a:lnSpc>
+                <a:spcPct val="150000"/>
+              </a:lnSpc>
               <a:buNone/>
             </a:pPr>
             <a:r>
@@ -6049,7 +6080,7 @@
                 <a:latin typeface="標楷體" panose="03000509000000000000" pitchFamily="65" charset="-120"/>
                 <a:ea typeface="標楷體" panose="03000509000000000000" pitchFamily="65" charset="-120"/>
               </a:rPr>
-              <a:t>    在瀏覽英文文獻資料時往往難以抓出文章中的關鍵字，進而導致搜尋相</a:t>
+              <a:t>在瀏覽大量英文文獻資料時往往難以抓出文章中的主題，導致搜尋相關資料時花費大量時間。</a:t>
             </a:r>
             <a:endParaRPr lang="en-US" altLang="zh-TW" sz="2000" dirty="0">
               <a:latin typeface="標楷體" panose="03000509000000000000" pitchFamily="65" charset="-120"/>
@@ -6058,6 +6089,9 @@
           </a:p>
           <a:p>
             <a:pPr marL="0" indent="0">
+              <a:lnSpc>
+                <a:spcPct val="150000"/>
+              </a:lnSpc>
               <a:buNone/>
             </a:pPr>
             <a:r>
@@ -6065,7 +6099,7 @@
                 <a:latin typeface="標楷體" panose="03000509000000000000" pitchFamily="65" charset="-120"/>
                 <a:ea typeface="標楷體" panose="03000509000000000000" pitchFamily="65" charset="-120"/>
               </a:rPr>
-              <a:t>關資料時的結果不如預期。因此，本專題想以分析並搜尋文字檔的應用作為主</a:t>
+              <a:t>因此，本專題以分析並搜尋文字檔的應用作為主題，</a:t>
             </a:r>
             <a:endParaRPr lang="en-US" altLang="zh-TW" sz="2000" dirty="0">
               <a:latin typeface="標楷體" panose="03000509000000000000" pitchFamily="65" charset="-120"/>
@@ -6074,6 +6108,9 @@
           </a:p>
           <a:p>
             <a:pPr marL="0" indent="0">
+              <a:lnSpc>
+                <a:spcPct val="150000"/>
+              </a:lnSpc>
               <a:buNone/>
             </a:pPr>
             <a:r>
@@ -6081,7 +6118,7 @@
                 <a:latin typeface="標楷體" panose="03000509000000000000" pitchFamily="65" charset="-120"/>
                 <a:ea typeface="標楷體" panose="03000509000000000000" pitchFamily="65" charset="-120"/>
               </a:rPr>
-              <a:t>題，設計能夠找出字串或文章中的出現頻率高的字作為文章關鍵字，並自動進</a:t>
+              <a:t>設計能夠找出字串或文章中的出現頻率高的字作為文章關鍵字，</a:t>
             </a:r>
             <a:endParaRPr lang="en-US" altLang="zh-TW" sz="2000" dirty="0">
               <a:latin typeface="標楷體" panose="03000509000000000000" pitchFamily="65" charset="-120"/>
@@ -6090,6 +6127,9 @@
           </a:p>
           <a:p>
             <a:pPr marL="0" indent="0">
+              <a:lnSpc>
+                <a:spcPct val="150000"/>
+              </a:lnSpc>
               <a:buNone/>
             </a:pPr>
             <a:r>
@@ -6097,7 +6137,7 @@
                 <a:latin typeface="標楷體" panose="03000509000000000000" pitchFamily="65" charset="-120"/>
                 <a:ea typeface="標楷體" panose="03000509000000000000" pitchFamily="65" charset="-120"/>
               </a:rPr>
-              <a:t>行</a:t>
+              <a:t>同時自動進行</a:t>
             </a:r>
             <a:r>
               <a:rPr lang="en-US" altLang="zh-TW" sz="2000" dirty="0">
@@ -6395,8 +6435,8 @@
         </p:nvSpPr>
         <p:spPr>
           <a:xfrm>
-            <a:off x="422030" y="1561514"/>
-            <a:ext cx="8693834" cy="1908215"/>
+            <a:off x="1069194" y="1514380"/>
+            <a:ext cx="8693834" cy="1292662"/>
           </a:xfrm>
           <a:prstGeom prst="rect">
             <a:avLst/>
@@ -6409,59 +6449,17 @@
           </a:bodyPr>
           <a:lstStyle/>
           <a:p>
+            <a:pPr>
+              <a:lnSpc>
+                <a:spcPct val="150000"/>
+              </a:lnSpc>
+            </a:pPr>
             <a:r>
               <a:rPr lang="zh-TW" altLang="en-US" sz="2000" dirty="0">
                 <a:latin typeface="標楷體" panose="03000509000000000000" pitchFamily="65" charset="-120"/>
                 <a:ea typeface="標楷體" panose="03000509000000000000" pitchFamily="65" charset="-120"/>
               </a:rPr>
-              <a:t>    能夠應用於短時間內搜尋多個關鍵字</a:t>
-            </a:r>
-            <a:r>
-              <a:rPr lang="en-US" altLang="zh-TW" sz="2000" dirty="0">
-                <a:latin typeface="標楷體" panose="03000509000000000000" pitchFamily="65" charset="-120"/>
-                <a:ea typeface="標楷體" panose="03000509000000000000" pitchFamily="65" charset="-120"/>
-              </a:rPr>
-              <a:t>(</a:t>
-            </a:r>
-            <a:r>
-              <a:rPr lang="zh-TW" altLang="en-US" sz="2000" dirty="0">
-                <a:latin typeface="標楷體" panose="03000509000000000000" pitchFamily="65" charset="-120"/>
-                <a:ea typeface="標楷體" panose="03000509000000000000" pitchFamily="65" charset="-120"/>
-              </a:rPr>
-              <a:t>例如；許多本書</a:t>
-            </a:r>
-            <a:r>
-              <a:rPr lang="en-US" altLang="zh-TW" sz="2000" dirty="0">
-                <a:latin typeface="標楷體" panose="03000509000000000000" pitchFamily="65" charset="-120"/>
-                <a:ea typeface="標楷體" panose="03000509000000000000" pitchFamily="65" charset="-120"/>
-              </a:rPr>
-              <a:t>)</a:t>
-            </a:r>
-            <a:r>
-              <a:rPr lang="zh-TW" altLang="en-US" sz="2000" dirty="0">
-                <a:latin typeface="標楷體" panose="03000509000000000000" pitchFamily="65" charset="-120"/>
-                <a:ea typeface="標楷體" panose="03000509000000000000" pitchFamily="65" charset="-120"/>
-              </a:rPr>
-              <a:t>並一次搜尋多筆</a:t>
-            </a:r>
-            <a:endParaRPr lang="en-US" altLang="zh-TW" sz="2000" dirty="0">
-              <a:latin typeface="標楷體" panose="03000509000000000000" pitchFamily="65" charset="-120"/>
-              <a:ea typeface="標楷體" panose="03000509000000000000" pitchFamily="65" charset="-120"/>
-            </a:endParaRPr>
-          </a:p>
-          <a:p>
-            <a:endParaRPr lang="en-US" altLang="zh-TW" sz="2000" dirty="0">
-              <a:latin typeface="標楷體" panose="03000509000000000000" pitchFamily="65" charset="-120"/>
-              <a:ea typeface="標楷體" panose="03000509000000000000" pitchFamily="65" charset="-120"/>
-            </a:endParaRPr>
-          </a:p>
-          <a:p>
-            <a:r>
-              <a:rPr lang="zh-TW" altLang="en-US" sz="2000" dirty="0">
-                <a:latin typeface="標楷體" panose="03000509000000000000" pitchFamily="65" charset="-120"/>
-                <a:ea typeface="標楷體" panose="03000509000000000000" pitchFamily="65" charset="-120"/>
-              </a:rPr>
-              <a:t>資料，同時呈現使用者其</a:t>
+              <a:t>能夠應用於短時間內分析出英文文章中最有可能的關鍵句並進行</a:t>
             </a:r>
             <a:r>
               <a:rPr lang="en-US" altLang="zh-TW" sz="2000" dirty="0">
@@ -6475,26 +6473,7 @@
                 <a:latin typeface="標楷體" panose="03000509000000000000" pitchFamily="65" charset="-120"/>
                 <a:ea typeface="標楷體" panose="03000509000000000000" pitchFamily="65" charset="-120"/>
               </a:rPr>
-              <a:t>搜尋結果，讓使用者免去了一項一項搜尋、</a:t>
-            </a:r>
-            <a:endParaRPr lang="en-US" altLang="zh-TW" sz="2000" dirty="0">
-              <a:latin typeface="標楷體" panose="03000509000000000000" pitchFamily="65" charset="-120"/>
-              <a:ea typeface="標楷體" panose="03000509000000000000" pitchFamily="65" charset="-120"/>
-            </a:endParaRPr>
-          </a:p>
-          <a:p>
-            <a:endParaRPr lang="en-US" altLang="zh-TW" sz="2000" dirty="0">
-              <a:latin typeface="標楷體" panose="03000509000000000000" pitchFamily="65" charset="-120"/>
-              <a:ea typeface="標楷體" panose="03000509000000000000" pitchFamily="65" charset="-120"/>
-            </a:endParaRPr>
-          </a:p>
-          <a:p>
-            <a:r>
-              <a:rPr lang="zh-TW" altLang="en-US" sz="2000" dirty="0">
-                <a:latin typeface="標楷體" panose="03000509000000000000" pitchFamily="65" charset="-120"/>
-                <a:ea typeface="標楷體" panose="03000509000000000000" pitchFamily="65" charset="-120"/>
-              </a:rPr>
-              <a:t>比較的麻煩。</a:t>
+              <a:t>搜尋顯示多筆相關資料，讓使用者免去了閱讀文章搜尋、比較的麻煩。</a:t>
             </a:r>
           </a:p>
           <a:p>
@@ -6751,7 +6730,7 @@
         </p:blipFill>
         <p:spPr bwMode="auto">
           <a:xfrm>
-            <a:off x="4229836" y="1593276"/>
+            <a:off x="4229836" y="1372223"/>
             <a:ext cx="1425226" cy="852342"/>
           </a:xfrm>
           <a:prstGeom prst="rect">
@@ -6798,7 +6777,7 @@
         </p:blipFill>
         <p:spPr bwMode="auto">
           <a:xfrm>
-            <a:off x="4287615" y="2525228"/>
+            <a:off x="4268858" y="2467511"/>
             <a:ext cx="1386204" cy="1121566"/>
           </a:xfrm>
           <a:prstGeom prst="rect">
@@ -6845,7 +6824,7 @@
         </p:blipFill>
         <p:spPr bwMode="auto">
           <a:xfrm>
-            <a:off x="3397617" y="3792024"/>
+            <a:off x="3463604" y="3802715"/>
             <a:ext cx="1383084" cy="1119042"/>
           </a:xfrm>
           <a:prstGeom prst="rect">
@@ -7121,7 +7100,7 @@
         </p:blipFill>
         <p:spPr bwMode="auto">
           <a:xfrm>
-            <a:off x="4942449" y="3792024"/>
+            <a:off x="5164183" y="3792024"/>
             <a:ext cx="1612320" cy="1140424"/>
           </a:xfrm>
           <a:prstGeom prst="rect">
@@ -7426,8 +7405,8 @@
         </p:blipFill>
         <p:spPr>
           <a:xfrm>
-            <a:off x="896357" y="1785520"/>
-            <a:ext cx="8570484" cy="2009240"/>
+            <a:off x="575292" y="1634690"/>
+            <a:ext cx="11041415" cy="2588518"/>
           </a:xfrm>
           <a:prstGeom prst="rect">
             <a:avLst/>
@@ -7721,8 +7700,8 @@
         </p:blipFill>
         <p:spPr>
           <a:xfrm>
-            <a:off x="2274279" y="1354207"/>
-            <a:ext cx="4548550" cy="5218732"/>
+            <a:off x="3493886" y="582928"/>
+            <a:ext cx="5204227" cy="5971016"/>
           </a:xfrm>
           <a:prstGeom prst="rect">
             <a:avLst/>
@@ -8016,8 +7995,8 @@
         </p:blipFill>
         <p:spPr>
           <a:xfrm>
-            <a:off x="2216075" y="1244990"/>
-            <a:ext cx="4721228" cy="5212080"/>
+            <a:off x="3490902" y="582928"/>
+            <a:ext cx="5210196" cy="5751885"/>
           </a:xfrm>
           <a:prstGeom prst="rect">
             <a:avLst/>
